--- a/Präsentation/sudokusolver.pptx
+++ b/Präsentation/sudokusolver.pptx
@@ -5,7 +5,7 @@
     <p:sldMasterId id="2147483772" r:id="rId1"/>
   </p:sldMasterIdLst>
   <p:notesMasterIdLst>
-    <p:notesMasterId r:id="rId9"/>
+    <p:notesMasterId r:id="rId11"/>
   </p:notesMasterIdLst>
   <p:sldIdLst>
     <p:sldId id="275" r:id="rId2"/>
@@ -15,6 +15,8 @@
     <p:sldId id="277" r:id="rId6"/>
     <p:sldId id="279" r:id="rId7"/>
     <p:sldId id="280" r:id="rId8"/>
+    <p:sldId id="281" r:id="rId9"/>
+    <p:sldId id="282" r:id="rId10"/>
   </p:sldIdLst>
   <p:sldSz cx="12192000" cy="6858000"/>
   <p:notesSz cx="6858000" cy="9144000"/>
@@ -1637,8 +1639,12 @@
         <a:lstStyle/>
         <a:p>
           <a:r>
+            <a:rPr lang="de-DE" dirty="0" err="1"/>
+            <a:t>Naked</a:t>
+          </a:r>
+          <a:r>
             <a:rPr lang="de-DE" dirty="0"/>
-            <a:t>Hidden Single</a:t>
+            <a:t> Single</a:t>
           </a:r>
         </a:p>
       </dgm:t>
@@ -1674,7 +1680,7 @@
         <a:p>
           <a:r>
             <a:rPr lang="de-DE" dirty="0"/>
-            <a:t>Solange Werte eingefügt werden</a:t>
+            <a:t>Solange Werte eingefügt werden können</a:t>
           </a:r>
         </a:p>
       </dgm:t>
@@ -1709,12 +1715,8 @@
         <a:lstStyle/>
         <a:p>
           <a:r>
-            <a:rPr lang="de-DE" dirty="0" err="1"/>
-            <a:t>Naked</a:t>
-          </a:r>
-          <a:r>
             <a:rPr lang="de-DE" dirty="0"/>
-            <a:t> Single</a:t>
+            <a:t>Hidden Single</a:t>
           </a:r>
         </a:p>
       </dgm:t>
@@ -1750,7 +1752,7 @@
         <a:p>
           <a:r>
             <a:rPr lang="de-DE" dirty="0"/>
-            <a:t>Solange Werte eingefügt werden</a:t>
+            <a:t>Solange Werte eingefügt werden können</a:t>
           </a:r>
         </a:p>
       </dgm:t>
@@ -2066,8 +2068,12 @@
         <a:lstStyle/>
         <a:p>
           <a:r>
+            <a:rPr lang="de-DE" dirty="0" err="1"/>
+            <a:t>Naked</a:t>
+          </a:r>
+          <a:r>
             <a:rPr lang="de-DE" dirty="0"/>
-            <a:t>Hidden Single</a:t>
+            <a:t> Single</a:t>
           </a:r>
         </a:p>
       </dgm:t>
@@ -2103,7 +2109,7 @@
         <a:p>
           <a:r>
             <a:rPr lang="de-DE" dirty="0"/>
-            <a:t>Solange Werte eingefügt werden</a:t>
+            <a:t>Solange Werte eingefügt werden können</a:t>
           </a:r>
         </a:p>
       </dgm:t>
@@ -2138,12 +2144,8 @@
         <a:lstStyle/>
         <a:p>
           <a:r>
-            <a:rPr lang="de-DE" dirty="0" err="1"/>
-            <a:t>Naked</a:t>
-          </a:r>
-          <a:r>
             <a:rPr lang="de-DE" dirty="0"/>
-            <a:t> Single</a:t>
+            <a:t>Hidden Single</a:t>
           </a:r>
         </a:p>
       </dgm:t>
@@ -2179,7 +2181,7 @@
         <a:p>
           <a:r>
             <a:rPr lang="de-DE" dirty="0"/>
-            <a:t>Solange Werte eingefügt werden</a:t>
+            <a:t>Falls Werte eingefügt werden</a:t>
           </a:r>
         </a:p>
       </dgm:t>
@@ -2374,7 +2376,7 @@
       <dgm:spPr/>
     </dgm:pt>
     <dgm:pt modelId="{F180A79B-73D6-45EC-A7BD-994AEA164EF8}" type="pres">
-      <dgm:prSet presAssocID="{1B083FF7-0843-4CDC-AA7D-16C8993C8014}" presName="Name9" presStyleLbl="sibTrans2D1" presStyleIdx="0" presStyleCnt="2"/>
+      <dgm:prSet presAssocID="{1B083FF7-0843-4CDC-AA7D-16C8993C8014}" presName="Name9" presStyleLbl="sibTrans2D1" presStyleIdx="0" presStyleCnt="2" custAng="20900726" custLinFactNeighborX="1627" custLinFactNeighborY="-3742"/>
       <dgm:spPr/>
     </dgm:pt>
     <dgm:pt modelId="{9ABB2C88-2FDB-4E66-AB93-0C7D1FE223A6}" type="pres">
@@ -2415,7 +2417,7 @@
       <dgm:spPr/>
     </dgm:pt>
     <dgm:pt modelId="{202AFBE2-04D5-4F52-B9EF-675F87F1DA9D}" type="pres">
-      <dgm:prSet presAssocID="{2DAC1A38-649F-4947-8487-8A25840D3A3A}" presName="Name18" presStyleLbl="sibTrans2D1" presStyleIdx="1" presStyleCnt="2" custAng="10010527" custFlipVert="1" custLinFactX="-30458" custLinFactNeighborX="-100000" custLinFactNeighborY="13570"/>
+      <dgm:prSet presAssocID="{2DAC1A38-649F-4947-8487-8A25840D3A3A}" presName="Name18" presStyleLbl="sibTrans2D1" presStyleIdx="1" presStyleCnt="2" custAng="10800000" custFlipVert="1" custLinFactX="-32302" custLinFactNeighborX="-100000" custLinFactNeighborY="10400"/>
       <dgm:spPr/>
     </dgm:pt>
     <dgm:pt modelId="{62F5339F-64EA-4456-9C67-05DFCA4914F0}" type="pres">
@@ -2583,12 +2585,12 @@
         <a:fontRef idx="minor"/>
       </dsp:style>
       <dsp:txBody>
-        <a:bodyPr spcFirstLastPara="0" vert="horz" wrap="square" lIns="41910" tIns="41910" rIns="41910" bIns="41910" numCol="1" spcCol="1270" anchor="t" anchorCtr="0">
+        <a:bodyPr spcFirstLastPara="0" vert="horz" wrap="square" lIns="38100" tIns="38100" rIns="38100" bIns="38100" numCol="1" spcCol="1270" anchor="t" anchorCtr="0">
           <a:noAutofit/>
         </a:bodyPr>
         <a:lstStyle/>
         <a:p>
-          <a:pPr marL="228600" lvl="1" indent="-228600" algn="l" defTabSz="977900">
+          <a:pPr marL="228600" lvl="1" indent="-228600" algn="l" defTabSz="889000">
             <a:lnSpc>
               <a:spcPct val="90000"/>
             </a:lnSpc>
@@ -2601,8 +2603,8 @@
             <a:buChar char="•"/>
           </a:pPr>
           <a:r>
-            <a:rPr lang="de-DE" sz="2200" kern="1200" dirty="0"/>
-            <a:t>Solange Werte eingefügt werden</a:t>
+            <a:rPr lang="de-DE" sz="2000" kern="1200" dirty="0"/>
+            <a:t>Solange Werte eingefügt werden können</a:t>
           </a:r>
         </a:p>
       </dsp:txBody>
@@ -2748,8 +2750,12 @@
             <a:buNone/>
           </a:pPr>
           <a:r>
+            <a:rPr lang="de-DE" sz="2200" kern="1200" dirty="0" err="1"/>
+            <a:t>Naked</a:t>
+          </a:r>
+          <a:r>
             <a:rPr lang="de-DE" sz="2200" kern="1200" dirty="0"/>
-            <a:t>Hidden Single</a:t>
+            <a:t> Single</a:t>
           </a:r>
         </a:p>
       </dsp:txBody>
@@ -2821,12 +2827,12 @@
         <a:fontRef idx="minor"/>
       </dsp:style>
       <dsp:txBody>
-        <a:bodyPr spcFirstLastPara="0" vert="horz" wrap="square" lIns="41910" tIns="41910" rIns="41910" bIns="41910" numCol="1" spcCol="1270" anchor="t" anchorCtr="0">
+        <a:bodyPr spcFirstLastPara="0" vert="horz" wrap="square" lIns="38100" tIns="38100" rIns="38100" bIns="38100" numCol="1" spcCol="1270" anchor="t" anchorCtr="0">
           <a:noAutofit/>
         </a:bodyPr>
         <a:lstStyle/>
         <a:p>
-          <a:pPr marL="228600" lvl="1" indent="-228600" algn="l" defTabSz="977900">
+          <a:pPr marL="228600" lvl="1" indent="-228600" algn="l" defTabSz="889000">
             <a:lnSpc>
               <a:spcPct val="90000"/>
             </a:lnSpc>
@@ -2839,8 +2845,8 @@
             <a:buChar char="•"/>
           </a:pPr>
           <a:r>
-            <a:rPr lang="de-DE" sz="2200" kern="1200" dirty="0"/>
-            <a:t>Solange Werte eingefügt werden</a:t>
+            <a:rPr lang="de-DE" sz="2000" kern="1200" dirty="0"/>
+            <a:t>Solange Werte eingefügt werden können</a:t>
           </a:r>
         </a:p>
       </dsp:txBody>
@@ -2986,12 +2992,8 @@
             <a:buNone/>
           </a:pPr>
           <a:r>
-            <a:rPr lang="de-DE" sz="2200" kern="1200" dirty="0" err="1"/>
-            <a:t>Naked</a:t>
-          </a:r>
-          <a:r>
             <a:rPr lang="de-DE" sz="2200" kern="1200" dirty="0"/>
-            <a:t> Single</a:t>
+            <a:t>Hidden Single</a:t>
           </a:r>
         </a:p>
       </dsp:txBody>
@@ -3063,12 +3065,12 @@
         <a:fontRef idx="minor"/>
       </dsp:style>
       <dsp:txBody>
-        <a:bodyPr spcFirstLastPara="0" vert="horz" wrap="square" lIns="41910" tIns="41910" rIns="41910" bIns="41910" numCol="1" spcCol="1270" anchor="t" anchorCtr="0">
+        <a:bodyPr spcFirstLastPara="0" vert="horz" wrap="square" lIns="38100" tIns="38100" rIns="38100" bIns="38100" numCol="1" spcCol="1270" anchor="t" anchorCtr="0">
           <a:noAutofit/>
         </a:bodyPr>
         <a:lstStyle/>
         <a:p>
-          <a:pPr marL="228600" lvl="1" indent="-228600" algn="l" defTabSz="977900">
+          <a:pPr marL="228600" lvl="1" indent="-228600" algn="l" defTabSz="889000">
             <a:lnSpc>
               <a:spcPct val="90000"/>
             </a:lnSpc>
@@ -3081,7 +3083,7 @@
             <a:buChar char="•"/>
           </a:pPr>
           <a:r>
-            <a:rPr lang="de-DE" sz="2200" kern="1200" dirty="0"/>
+            <a:rPr lang="de-DE" sz="2000" kern="1200" dirty="0"/>
             <a:t>Leere Zellen auffüllen</a:t>
           </a:r>
         </a:p>
@@ -3270,7 +3272,7 @@
           </a:pPr>
           <a:r>
             <a:rPr lang="de-DE" sz="1700" kern="1200" dirty="0"/>
-            <a:t>Solange Werte eingefügt werden</a:t>
+            <a:t>Solange Werte eingefügt werden können</a:t>
           </a:r>
         </a:p>
       </dsp:txBody>
@@ -3285,8 +3287,8 @@
         <dsp:cNvSpPr/>
       </dsp:nvSpPr>
       <dsp:spPr>
-        <a:xfrm>
-          <a:off x="1221460" y="1929155"/>
+        <a:xfrm rot="20900726">
+          <a:off x="1258387" y="1844226"/>
           <a:ext cx="2269636" cy="2269636"/>
         </a:xfrm>
         <a:prstGeom prst="leftCircularArrow">
@@ -3416,8 +3418,12 @@
             <a:buNone/>
           </a:pPr>
           <a:r>
+            <a:rPr lang="de-DE" sz="2200" kern="1200" dirty="0" err="1"/>
+            <a:t>Naked</a:t>
+          </a:r>
+          <a:r>
             <a:rPr lang="de-DE" sz="2200" kern="1200" dirty="0"/>
-            <a:t>Hidden Single</a:t>
+            <a:t> Single</a:t>
           </a:r>
         </a:p>
       </dsp:txBody>
@@ -3508,7 +3514,7 @@
           </a:pPr>
           <a:r>
             <a:rPr lang="de-DE" sz="1700" kern="1200" dirty="0"/>
-            <a:t>Solange Werte eingefügt werden</a:t>
+            <a:t>Falls Werte eingefügt werden</a:t>
           </a:r>
         </a:p>
         <a:p>
@@ -3541,8 +3547,8 @@
         <dsp:cNvSpPr/>
       </dsp:nvSpPr>
       <dsp:spPr>
-        <a:xfrm rot="11589473" flipV="1">
-          <a:off x="561549" y="738320"/>
+        <a:xfrm rot="10800000" flipV="1">
+          <a:off x="514657" y="657709"/>
           <a:ext cx="2542963" cy="2542963"/>
         </a:xfrm>
         <a:prstGeom prst="circularArrow">
@@ -3672,12 +3678,8 @@
             <a:buNone/>
           </a:pPr>
           <a:r>
-            <a:rPr lang="de-DE" sz="2200" kern="1200" dirty="0" err="1"/>
-            <a:t>Naked</a:t>
-          </a:r>
-          <a:r>
             <a:rPr lang="de-DE" sz="2200" kern="1200" dirty="0"/>
-            <a:t> Single</a:t>
+            <a:t>Hidden Single</a:t>
           </a:r>
         </a:p>
       </dsp:txBody>
@@ -7270,7 +7272,7 @@
           <a:p>
             <a:fld id="{F4ED0332-D817-4082-81C8-EFF1FEEC3383}" type="datetimeFigureOut">
               <a:rPr lang="de-DE" smtClean="0"/>
-              <a:t>14.06.2018</a:t>
+              <a:t>15.06.2018</a:t>
             </a:fld>
             <a:endParaRPr lang="de-DE" dirty="0"/>
           </a:p>
@@ -7731,7 +7733,7 @@
           <a:p>
             <a:fld id="{C555A6BB-7489-4659-8B93-C24B6B65FD48}" type="datetime1">
               <a:rPr lang="de-DE" smtClean="0"/>
-              <a:t>14.06.2018</a:t>
+              <a:t>15.06.2018</a:t>
             </a:fld>
             <a:endParaRPr lang="de-DE" dirty="0"/>
           </a:p>
@@ -7905,7 +7907,7 @@
           <a:p>
             <a:fld id="{26F23E6B-FAFD-4DCA-B1E7-67C1BADF9983}" type="datetime1">
               <a:rPr lang="de-DE" smtClean="0"/>
-              <a:t>14.06.2018</a:t>
+              <a:t>15.06.2018</a:t>
             </a:fld>
             <a:endParaRPr lang="de-DE" dirty="0"/>
           </a:p>
@@ -8130,7 +8132,7 @@
           <a:p>
             <a:fld id="{79A96C52-8B5B-403D-8331-F063DD4D3A00}" type="datetime1">
               <a:rPr lang="de-DE" smtClean="0"/>
-              <a:t>14.06.2018</a:t>
+              <a:t>15.06.2018</a:t>
             </a:fld>
             <a:endParaRPr lang="de-DE" dirty="0"/>
           </a:p>
@@ -8345,7 +8347,7 @@
           <a:p>
             <a:fld id="{EA5829C2-99CB-4D5A-8F34-F09E70F024A8}" type="datetime1">
               <a:rPr lang="de-DE" smtClean="0"/>
-              <a:t>14.06.2018</a:t>
+              <a:t>15.06.2018</a:t>
             </a:fld>
             <a:endParaRPr lang="de-DE" dirty="0"/>
           </a:p>
@@ -8644,7 +8646,7 @@
           <a:p>
             <a:fld id="{820523EF-D914-4F7A-A4CF-B1873F373DB2}" type="datetime1">
               <a:rPr lang="de-DE" smtClean="0"/>
-              <a:t>14.06.2018</a:t>
+              <a:t>15.06.2018</a:t>
             </a:fld>
             <a:endParaRPr lang="de-DE" dirty="0"/>
           </a:p>
@@ -8977,7 +8979,7 @@
           <a:p>
             <a:fld id="{7AB44D5C-04F7-43EE-9B3A-CEFE2347C316}" type="datetime1">
               <a:rPr lang="de-DE" smtClean="0"/>
-              <a:t>14.06.2018</a:t>
+              <a:t>15.06.2018</a:t>
             </a:fld>
             <a:endParaRPr lang="de-DE" dirty="0"/>
           </a:p>
@@ -9473,7 +9475,7 @@
           <a:p>
             <a:fld id="{4E49DF04-A0AF-4F8C-9AA8-5C58306ACDD2}" type="datetime1">
               <a:rPr lang="de-DE" smtClean="0"/>
-              <a:t>14.06.2018</a:t>
+              <a:t>15.06.2018</a:t>
             </a:fld>
             <a:endParaRPr lang="de-DE" dirty="0"/>
           </a:p>
@@ -9636,7 +9638,7 @@
           <a:p>
             <a:fld id="{8511BCDA-E000-4D3D-8E29-E22C1C11D58D}" type="datetime1">
               <a:rPr lang="de-DE" smtClean="0"/>
-              <a:t>14.06.2018</a:t>
+              <a:t>15.06.2018</a:t>
             </a:fld>
             <a:endParaRPr lang="de-DE" dirty="0"/>
           </a:p>
@@ -9776,7 +9778,7 @@
           <a:p>
             <a:fld id="{A62787D6-0419-4583-AC7F-29F9FEA7B1EA}" type="datetime1">
               <a:rPr lang="de-DE" smtClean="0"/>
-              <a:t>14.06.2018</a:t>
+              <a:t>15.06.2018</a:t>
             </a:fld>
             <a:endParaRPr lang="de-DE" dirty="0"/>
           </a:p>
@@ -10108,7 +10110,7 @@
           <a:p>
             <a:fld id="{0E4FE7EF-CA6A-4456-97BA-3FF670DA02E1}" type="datetime1">
               <a:rPr lang="de-DE" smtClean="0"/>
-              <a:t>14.06.2018</a:t>
+              <a:t>15.06.2018</a:t>
             </a:fld>
             <a:endParaRPr lang="de-DE" dirty="0"/>
           </a:p>
@@ -10427,7 +10429,7 @@
           <a:p>
             <a:fld id="{E9B4FA28-C652-4599-9ACF-48BC67CB3F42}" type="datetime1">
               <a:rPr lang="de-DE" smtClean="0"/>
-              <a:t>14.06.2018</a:t>
+              <a:t>15.06.2018</a:t>
             </a:fld>
             <a:endParaRPr lang="de-DE" dirty="0"/>
           </a:p>
@@ -10683,7 +10685,7 @@
           <a:p>
             <a:fld id="{9C7C9746-3DBF-4025-8D09-A54840D8DB0B}" type="datetime1">
               <a:rPr lang="de-DE" smtClean="0"/>
-              <a:t>14.06.2018</a:t>
+              <a:t>15.06.2018</a:t>
             </a:fld>
             <a:endParaRPr lang="de-DE" dirty="0"/>
           </a:p>
@@ -11207,15 +11209,7 @@
             </a:r>
             <a:r>
               <a:rPr lang="de-DE" dirty="0"/>
-              <a:t>Sudoku </a:t>
-            </a:r>
-            <a:r>
-              <a:rPr lang="de-DE" dirty="0" err="1"/>
-              <a:t>solver</a:t>
-            </a:r>
-            <a:r>
-              <a:rPr lang="de-DE" dirty="0"/>
-              <a:t>	</a:t>
+              <a:t>Sudoku Solver	</a:t>
             </a:r>
           </a:p>
         </p:txBody>
@@ -11254,7 +11248,15 @@
             <a:pPr algn="r"/>
             <a:r>
               <a:rPr lang="de-DE" dirty="0"/>
-              <a:t>Dominik Grenz, Markus Krahl, Felix Maurer, Marita Segl</a:t>
+              <a:t>Thomas </a:t>
+            </a:r>
+            <a:r>
+              <a:rPr lang="de-DE" dirty="0" err="1"/>
+              <a:t>Großbeck</a:t>
+            </a:r>
+            <a:r>
+              <a:rPr lang="de-DE" dirty="0"/>
+              <a:t>, Markus Krahl, Felix Maurer, Marita Segl</a:t>
             </a:r>
           </a:p>
         </p:txBody>
@@ -11282,7 +11284,7 @@
           <a:p>
             <a:fld id="{C555A6BB-7489-4659-8B93-C24B6B65FD48}" type="datetime1">
               <a:rPr lang="de-DE" smtClean="0"/>
-              <a:t>14.06.2018</a:t>
+              <a:t>15.06.2018</a:t>
             </a:fld>
             <a:endParaRPr lang="de-DE" dirty="0"/>
           </a:p>
@@ -11404,14 +11406,11 @@
               <a:buChar char="-"/>
             </a:pPr>
             <a:r>
-              <a:rPr lang="de-DE" dirty="0" err="1">
+              <a:rPr lang="de-DE" dirty="0">
                 <a:latin typeface="Calibri" panose="020F0502020204030204" pitchFamily="34" charset="0"/>
               </a:rPr>
-              <a:t>validNumer</a:t>
+              <a:t>Mögliche Werte für Zellen bestimmen</a:t>
             </a:r>
-            <a:endParaRPr lang="de-DE" dirty="0">
-              <a:latin typeface="Calibri" panose="020F0502020204030204" pitchFamily="34" charset="0"/>
-            </a:endParaRPr>
           </a:p>
           <a:p>
             <a:pPr lvl="1">
@@ -11419,14 +11418,23 @@
               <a:buChar char="-"/>
             </a:pPr>
             <a:r>
+              <a:rPr lang="de-DE" dirty="0">
+                <a:latin typeface="Calibri" panose="020F0502020204030204" pitchFamily="34" charset="0"/>
+              </a:rPr>
+              <a:t>Suche nach „</a:t>
+            </a:r>
+            <a:r>
               <a:rPr lang="de-DE" dirty="0" err="1">
                 <a:latin typeface="Calibri" panose="020F0502020204030204" pitchFamily="34" charset="0"/>
               </a:rPr>
-              <a:t>solveNakedSingle</a:t>
+              <a:t>Naked</a:t>
             </a:r>
-            <a:endParaRPr lang="de-DE" dirty="0">
-              <a:latin typeface="Calibri" panose="020F0502020204030204" pitchFamily="34" charset="0"/>
-            </a:endParaRPr>
+            <a:r>
+              <a:rPr lang="de-DE" dirty="0">
+                <a:latin typeface="Calibri" panose="020F0502020204030204" pitchFamily="34" charset="0"/>
+              </a:rPr>
+              <a:t> Singles“</a:t>
+            </a:r>
           </a:p>
           <a:p>
             <a:pPr lvl="1">
@@ -11434,14 +11442,11 @@
               <a:buChar char="-"/>
             </a:pPr>
             <a:r>
-              <a:rPr lang="de-DE" dirty="0" err="1">
+              <a:rPr lang="de-DE" dirty="0">
                 <a:latin typeface="Calibri" panose="020F0502020204030204" pitchFamily="34" charset="0"/>
               </a:rPr>
-              <a:t>solveHiddenSingle</a:t>
+              <a:t>Suche nach „Hidden Singles“</a:t>
             </a:r>
-            <a:endParaRPr lang="de-DE" dirty="0">
-              <a:latin typeface="Calibri" panose="020F0502020204030204" pitchFamily="34" charset="0"/>
-            </a:endParaRPr>
           </a:p>
           <a:p>
             <a:pPr lvl="1">
@@ -11449,33 +11454,19 @@
               <a:buChar char="-"/>
             </a:pPr>
             <a:r>
-              <a:rPr lang="de-DE" dirty="0" err="1">
+              <a:rPr lang="de-DE" dirty="0">
                 <a:latin typeface="Calibri" panose="020F0502020204030204" pitchFamily="34" charset="0"/>
               </a:rPr>
-              <a:t>backtracking</a:t>
+              <a:t>Backtracking</a:t>
             </a:r>
-            <a:endParaRPr lang="de-DE" dirty="0">
-              <a:latin typeface="Calibri" panose="020F0502020204030204" pitchFamily="34" charset="0"/>
-            </a:endParaRPr>
-          </a:p>
-          <a:p>
-            <a:pPr marL="274320" lvl="1" indent="0">
-              <a:buNone/>
-            </a:pPr>
-            <a:endParaRPr lang="de-DE" dirty="0">
-              <a:latin typeface="Calibri" panose="020F0502020204030204" pitchFamily="34" charset="0"/>
-            </a:endParaRPr>
           </a:p>
           <a:p>
             <a:r>
-              <a:rPr lang="de-DE" dirty="0" err="1">
+              <a:rPr lang="de-DE" dirty="0">
                 <a:latin typeface="Calibri" panose="020F0502020204030204" pitchFamily="34" charset="0"/>
               </a:rPr>
-              <a:t>Lösungmethoden</a:t>
+              <a:t>Lösungsmethoden</a:t>
             </a:r>
-            <a:endParaRPr lang="de-DE" dirty="0">
-              <a:latin typeface="Calibri" panose="020F0502020204030204" pitchFamily="34" charset="0"/>
-            </a:endParaRPr>
           </a:p>
           <a:p>
             <a:r>
@@ -11504,7 +11495,7 @@
           <a:p>
             <a:fld id="{A4EC7525-3D72-4CE3-8E8F-2175A9CC4F27}" type="datetime1">
               <a:rPr lang="de-DE" smtClean="0"/>
-              <a:t>14.06.2018</a:t>
+              <a:t>15.06.2018</a:t>
             </a:fld>
             <a:endParaRPr lang="de-DE"/>
           </a:p>
@@ -11636,242 +11627,6 @@
   <p:clrMapOvr>
     <a:masterClrMapping/>
   </p:clrMapOvr>
-  <p:timing>
-    <p:tnLst>
-      <p:par>
-        <p:cTn id="1" dur="indefinite" restart="never" nodeType="tmRoot">
-          <p:childTnLst>
-            <p:seq concurrent="1" nextAc="seek">
-              <p:cTn id="2" dur="indefinite" nodeType="mainSeq">
-                <p:childTnLst>
-                  <p:par>
-                    <p:cTn id="3" fill="hold">
-                      <p:stCondLst>
-                        <p:cond delay="indefinite"/>
-                      </p:stCondLst>
-                      <p:childTnLst>
-                        <p:par>
-                          <p:cTn id="4" fill="hold">
-                            <p:stCondLst>
-                              <p:cond delay="0"/>
-                            </p:stCondLst>
-                            <p:childTnLst>
-                              <p:par>
-                                <p:cTn id="5" presetID="2" presetClass="entr" presetSubtype="4" fill="hold" nodeType="clickEffect">
-                                  <p:stCondLst>
-                                    <p:cond delay="0"/>
-                                  </p:stCondLst>
-                                  <p:childTnLst>
-                                    <p:set>
-                                      <p:cBhvr>
-                                        <p:cTn id="6" dur="1" fill="hold">
-                                          <p:stCondLst>
-                                            <p:cond delay="0"/>
-                                          </p:stCondLst>
-                                        </p:cTn>
-                                        <p:tgtEl>
-                                          <p:spTgt spid="5">
-                                            <p:txEl>
-                                              <p:pRg st="6" end="6"/>
-                                            </p:txEl>
-                                          </p:spTgt>
-                                        </p:tgtEl>
-                                        <p:attrNameLst>
-                                          <p:attrName>style.visibility</p:attrName>
-                                        </p:attrNameLst>
-                                      </p:cBhvr>
-                                      <p:to>
-                                        <p:strVal val="visible"/>
-                                      </p:to>
-                                    </p:set>
-                                    <p:anim calcmode="lin" valueType="num">
-                                      <p:cBhvr additive="base">
-                                        <p:cTn id="7" dur="500" fill="hold"/>
-                                        <p:tgtEl>
-                                          <p:spTgt spid="5">
-                                            <p:txEl>
-                                              <p:pRg st="6" end="6"/>
-                                            </p:txEl>
-                                          </p:spTgt>
-                                        </p:tgtEl>
-                                        <p:attrNameLst>
-                                          <p:attrName>ppt_x</p:attrName>
-                                        </p:attrNameLst>
-                                      </p:cBhvr>
-                                      <p:tavLst>
-                                        <p:tav tm="0">
-                                          <p:val>
-                                            <p:strVal val="#ppt_x"/>
-                                          </p:val>
-                                        </p:tav>
-                                        <p:tav tm="100000">
-                                          <p:val>
-                                            <p:strVal val="#ppt_x"/>
-                                          </p:val>
-                                        </p:tav>
-                                      </p:tavLst>
-                                    </p:anim>
-                                    <p:anim calcmode="lin" valueType="num">
-                                      <p:cBhvr additive="base">
-                                        <p:cTn id="8" dur="500" fill="hold"/>
-                                        <p:tgtEl>
-                                          <p:spTgt spid="5">
-                                            <p:txEl>
-                                              <p:pRg st="6" end="6"/>
-                                            </p:txEl>
-                                          </p:spTgt>
-                                        </p:tgtEl>
-                                        <p:attrNameLst>
-                                          <p:attrName>ppt_y</p:attrName>
-                                        </p:attrNameLst>
-                                      </p:cBhvr>
-                                      <p:tavLst>
-                                        <p:tav tm="0">
-                                          <p:val>
-                                            <p:strVal val="1+#ppt_h/2"/>
-                                          </p:val>
-                                        </p:tav>
-                                        <p:tav tm="100000">
-                                          <p:val>
-                                            <p:strVal val="#ppt_y"/>
-                                          </p:val>
-                                        </p:tav>
-                                      </p:tavLst>
-                                    </p:anim>
-                                  </p:childTnLst>
-                                </p:cTn>
-                              </p:par>
-                            </p:childTnLst>
-                          </p:cTn>
-                        </p:par>
-                      </p:childTnLst>
-                    </p:cTn>
-                  </p:par>
-                  <p:par>
-                    <p:cTn id="9" fill="hold">
-                      <p:stCondLst>
-                        <p:cond delay="indefinite"/>
-                      </p:stCondLst>
-                      <p:childTnLst>
-                        <p:par>
-                          <p:cTn id="10" fill="hold">
-                            <p:stCondLst>
-                              <p:cond delay="0"/>
-                            </p:stCondLst>
-                            <p:childTnLst>
-                              <p:par>
-                                <p:cTn id="11" presetID="2" presetClass="entr" presetSubtype="4" fill="hold" nodeType="clickEffect">
-                                  <p:stCondLst>
-                                    <p:cond delay="0"/>
-                                  </p:stCondLst>
-                                  <p:childTnLst>
-                                    <p:set>
-                                      <p:cBhvr>
-                                        <p:cTn id="12" dur="1" fill="hold">
-                                          <p:stCondLst>
-                                            <p:cond delay="0"/>
-                                          </p:stCondLst>
-                                        </p:cTn>
-                                        <p:tgtEl>
-                                          <p:spTgt spid="5">
-                                            <p:txEl>
-                                              <p:pRg st="7" end="7"/>
-                                            </p:txEl>
-                                          </p:spTgt>
-                                        </p:tgtEl>
-                                        <p:attrNameLst>
-                                          <p:attrName>style.visibility</p:attrName>
-                                        </p:attrNameLst>
-                                      </p:cBhvr>
-                                      <p:to>
-                                        <p:strVal val="visible"/>
-                                      </p:to>
-                                    </p:set>
-                                    <p:anim calcmode="lin" valueType="num">
-                                      <p:cBhvr additive="base">
-                                        <p:cTn id="13" dur="500" fill="hold"/>
-                                        <p:tgtEl>
-                                          <p:spTgt spid="5">
-                                            <p:txEl>
-                                              <p:pRg st="7" end="7"/>
-                                            </p:txEl>
-                                          </p:spTgt>
-                                        </p:tgtEl>
-                                        <p:attrNameLst>
-                                          <p:attrName>ppt_x</p:attrName>
-                                        </p:attrNameLst>
-                                      </p:cBhvr>
-                                      <p:tavLst>
-                                        <p:tav tm="0">
-                                          <p:val>
-                                            <p:strVal val="#ppt_x"/>
-                                          </p:val>
-                                        </p:tav>
-                                        <p:tav tm="100000">
-                                          <p:val>
-                                            <p:strVal val="#ppt_x"/>
-                                          </p:val>
-                                        </p:tav>
-                                      </p:tavLst>
-                                    </p:anim>
-                                    <p:anim calcmode="lin" valueType="num">
-                                      <p:cBhvr additive="base">
-                                        <p:cTn id="14" dur="500" fill="hold"/>
-                                        <p:tgtEl>
-                                          <p:spTgt spid="5">
-                                            <p:txEl>
-                                              <p:pRg st="7" end="7"/>
-                                            </p:txEl>
-                                          </p:spTgt>
-                                        </p:tgtEl>
-                                        <p:attrNameLst>
-                                          <p:attrName>ppt_y</p:attrName>
-                                        </p:attrNameLst>
-                                      </p:cBhvr>
-                                      <p:tavLst>
-                                        <p:tav tm="0">
-                                          <p:val>
-                                            <p:strVal val="1+#ppt_h/2"/>
-                                          </p:val>
-                                        </p:tav>
-                                        <p:tav tm="100000">
-                                          <p:val>
-                                            <p:strVal val="#ppt_y"/>
-                                          </p:val>
-                                        </p:tav>
-                                      </p:tavLst>
-                                    </p:anim>
-                                  </p:childTnLst>
-                                </p:cTn>
-                              </p:par>
-                            </p:childTnLst>
-                          </p:cTn>
-                        </p:par>
-                      </p:childTnLst>
-                    </p:cTn>
-                  </p:par>
-                </p:childTnLst>
-              </p:cTn>
-              <p:prevCondLst>
-                <p:cond evt="onPrev" delay="0">
-                  <p:tgtEl>
-                    <p:sldTgt/>
-                  </p:tgtEl>
-                </p:cond>
-              </p:prevCondLst>
-              <p:nextCondLst>
-                <p:cond evt="onNext" delay="0">
-                  <p:tgtEl>
-                    <p:sldTgt/>
-                  </p:tgtEl>
-                </p:cond>
-              </p:nextCondLst>
-            </p:seq>
-          </p:childTnLst>
-        </p:cTn>
-      </p:par>
-    </p:tnLst>
-  </p:timing>
 </p:sld>
 </file>
 
@@ -11904,16 +11659,14 @@
         </p:nvSpPr>
         <p:spPr/>
         <p:txBody>
-          <a:bodyPr/>
+          <a:bodyPr>
+            <a:normAutofit/>
+          </a:bodyPr>
           <a:lstStyle/>
           <a:p>
             <a:r>
-              <a:rPr lang="de-DE" dirty="0" err="1"/>
-              <a:t>validNumbers</a:t>
-            </a:r>
-            <a:r>
-              <a:rPr lang="de-DE" dirty="0"/>
-              <a:t>()</a:t>
+              <a:rPr lang="de-DE" sz="4000" dirty="0"/>
+              <a:t>Mögliche Werte für Zelle bestimmen</a:t>
             </a:r>
           </a:p>
         </p:txBody>
@@ -11952,7 +11705,7 @@
               <a:rPr lang="de-DE" dirty="0">
                 <a:latin typeface="Calibri" panose="020F0502020204030204" pitchFamily="34" charset="0"/>
               </a:rPr>
-              <a:t>Dazu werden für die Position folgende ___ betrachtet</a:t>
+              <a:t>Dazu werden für die Position folgende Gruppen betrachtet:</a:t>
             </a:r>
           </a:p>
           <a:p>
@@ -12010,7 +11763,7 @@
           <a:p>
             <a:fld id="{B0643A05-9DA0-4259-B127-F7147E415774}" type="datetime1">
               <a:rPr lang="de-DE" smtClean="0"/>
-              <a:t>14.06.2018</a:t>
+              <a:t>15.06.2018</a:t>
             </a:fld>
             <a:endParaRPr lang="de-DE" dirty="0"/>
           </a:p>
@@ -12189,345 +11942,6 @@
   <p:clrMapOvr>
     <a:masterClrMapping/>
   </p:clrMapOvr>
-  <p:timing>
-    <p:tnLst>
-      <p:par>
-        <p:cTn id="1" dur="indefinite" restart="never" nodeType="tmRoot">
-          <p:childTnLst>
-            <p:seq concurrent="1" nextAc="seek">
-              <p:cTn id="2" dur="indefinite" nodeType="mainSeq">
-                <p:childTnLst>
-                  <p:par>
-                    <p:cTn id="3" fill="hold">
-                      <p:stCondLst>
-                        <p:cond delay="indefinite"/>
-                      </p:stCondLst>
-                      <p:childTnLst>
-                        <p:par>
-                          <p:cTn id="4" fill="hold">
-                            <p:stCondLst>
-                              <p:cond delay="0"/>
-                            </p:stCondLst>
-                            <p:childTnLst>
-                              <p:par>
-                                <p:cTn id="5" presetID="2" presetClass="entr" presetSubtype="4" fill="hold" nodeType="clickEffect">
-                                  <p:stCondLst>
-                                    <p:cond delay="0"/>
-                                  </p:stCondLst>
-                                  <p:childTnLst>
-                                    <p:set>
-                                      <p:cBhvr>
-                                        <p:cTn id="6" dur="1" fill="hold">
-                                          <p:stCondLst>
-                                            <p:cond delay="0"/>
-                                          </p:stCondLst>
-                                        </p:cTn>
-                                        <p:tgtEl>
-                                          <p:spTgt spid="3">
-                                            <p:txEl>
-                                              <p:pRg st="2" end="2"/>
-                                            </p:txEl>
-                                          </p:spTgt>
-                                        </p:tgtEl>
-                                        <p:attrNameLst>
-                                          <p:attrName>style.visibility</p:attrName>
-                                        </p:attrNameLst>
-                                      </p:cBhvr>
-                                      <p:to>
-                                        <p:strVal val="visible"/>
-                                      </p:to>
-                                    </p:set>
-                                    <p:anim calcmode="lin" valueType="num">
-                                      <p:cBhvr additive="base">
-                                        <p:cTn id="7" dur="500" fill="hold"/>
-                                        <p:tgtEl>
-                                          <p:spTgt spid="3">
-                                            <p:txEl>
-                                              <p:pRg st="2" end="2"/>
-                                            </p:txEl>
-                                          </p:spTgt>
-                                        </p:tgtEl>
-                                        <p:attrNameLst>
-                                          <p:attrName>ppt_x</p:attrName>
-                                        </p:attrNameLst>
-                                      </p:cBhvr>
-                                      <p:tavLst>
-                                        <p:tav tm="0">
-                                          <p:val>
-                                            <p:strVal val="#ppt_x"/>
-                                          </p:val>
-                                        </p:tav>
-                                        <p:tav tm="100000">
-                                          <p:val>
-                                            <p:strVal val="#ppt_x"/>
-                                          </p:val>
-                                        </p:tav>
-                                      </p:tavLst>
-                                    </p:anim>
-                                    <p:anim calcmode="lin" valueType="num">
-                                      <p:cBhvr additive="base">
-                                        <p:cTn id="8" dur="500" fill="hold"/>
-                                        <p:tgtEl>
-                                          <p:spTgt spid="3">
-                                            <p:txEl>
-                                              <p:pRg st="2" end="2"/>
-                                            </p:txEl>
-                                          </p:spTgt>
-                                        </p:tgtEl>
-                                        <p:attrNameLst>
-                                          <p:attrName>ppt_y</p:attrName>
-                                        </p:attrNameLst>
-                                      </p:cBhvr>
-                                      <p:tavLst>
-                                        <p:tav tm="0">
-                                          <p:val>
-                                            <p:strVal val="1+#ppt_h/2"/>
-                                          </p:val>
-                                        </p:tav>
-                                        <p:tav tm="100000">
-                                          <p:val>
-                                            <p:strVal val="#ppt_y"/>
-                                          </p:val>
-                                        </p:tav>
-                                      </p:tavLst>
-                                    </p:anim>
-                                  </p:childTnLst>
-                                </p:cTn>
-                              </p:par>
-                            </p:childTnLst>
-                          </p:cTn>
-                        </p:par>
-                      </p:childTnLst>
-                    </p:cTn>
-                  </p:par>
-                  <p:par>
-                    <p:cTn id="9" fill="hold">
-                      <p:stCondLst>
-                        <p:cond delay="indefinite"/>
-                      </p:stCondLst>
-                      <p:childTnLst>
-                        <p:par>
-                          <p:cTn id="10" fill="hold">
-                            <p:stCondLst>
-                              <p:cond delay="0"/>
-                            </p:stCondLst>
-                            <p:childTnLst>
-                              <p:par>
-                                <p:cTn id="11" presetID="2" presetClass="entr" presetSubtype="4" fill="hold" nodeType="clickEffect">
-                                  <p:stCondLst>
-                                    <p:cond delay="0"/>
-                                  </p:stCondLst>
-                                  <p:childTnLst>
-                                    <p:set>
-                                      <p:cBhvr>
-                                        <p:cTn id="12" dur="1" fill="hold">
-                                          <p:stCondLst>
-                                            <p:cond delay="0"/>
-                                          </p:stCondLst>
-                                        </p:cTn>
-                                        <p:tgtEl>
-                                          <p:spTgt spid="3">
-                                            <p:txEl>
-                                              <p:pRg st="3" end="3"/>
-                                            </p:txEl>
-                                          </p:spTgt>
-                                        </p:tgtEl>
-                                        <p:attrNameLst>
-                                          <p:attrName>style.visibility</p:attrName>
-                                        </p:attrNameLst>
-                                      </p:cBhvr>
-                                      <p:to>
-                                        <p:strVal val="visible"/>
-                                      </p:to>
-                                    </p:set>
-                                    <p:anim calcmode="lin" valueType="num">
-                                      <p:cBhvr additive="base">
-                                        <p:cTn id="13" dur="500" fill="hold"/>
-                                        <p:tgtEl>
-                                          <p:spTgt spid="3">
-                                            <p:txEl>
-                                              <p:pRg st="3" end="3"/>
-                                            </p:txEl>
-                                          </p:spTgt>
-                                        </p:tgtEl>
-                                        <p:attrNameLst>
-                                          <p:attrName>ppt_x</p:attrName>
-                                        </p:attrNameLst>
-                                      </p:cBhvr>
-                                      <p:tavLst>
-                                        <p:tav tm="0">
-                                          <p:val>
-                                            <p:strVal val="#ppt_x"/>
-                                          </p:val>
-                                        </p:tav>
-                                        <p:tav tm="100000">
-                                          <p:val>
-                                            <p:strVal val="#ppt_x"/>
-                                          </p:val>
-                                        </p:tav>
-                                      </p:tavLst>
-                                    </p:anim>
-                                    <p:anim calcmode="lin" valueType="num">
-                                      <p:cBhvr additive="base">
-                                        <p:cTn id="14" dur="500" fill="hold"/>
-                                        <p:tgtEl>
-                                          <p:spTgt spid="3">
-                                            <p:txEl>
-                                              <p:pRg st="3" end="3"/>
-                                            </p:txEl>
-                                          </p:spTgt>
-                                        </p:tgtEl>
-                                        <p:attrNameLst>
-                                          <p:attrName>ppt_y</p:attrName>
-                                        </p:attrNameLst>
-                                      </p:cBhvr>
-                                      <p:tavLst>
-                                        <p:tav tm="0">
-                                          <p:val>
-                                            <p:strVal val="1+#ppt_h/2"/>
-                                          </p:val>
-                                        </p:tav>
-                                        <p:tav tm="100000">
-                                          <p:val>
-                                            <p:strVal val="#ppt_y"/>
-                                          </p:val>
-                                        </p:tav>
-                                      </p:tavLst>
-                                    </p:anim>
-                                  </p:childTnLst>
-                                </p:cTn>
-                              </p:par>
-                            </p:childTnLst>
-                          </p:cTn>
-                        </p:par>
-                      </p:childTnLst>
-                    </p:cTn>
-                  </p:par>
-                  <p:par>
-                    <p:cTn id="15" fill="hold">
-                      <p:stCondLst>
-                        <p:cond delay="indefinite"/>
-                      </p:stCondLst>
-                      <p:childTnLst>
-                        <p:par>
-                          <p:cTn id="16" fill="hold">
-                            <p:stCondLst>
-                              <p:cond delay="0"/>
-                            </p:stCondLst>
-                            <p:childTnLst>
-                              <p:par>
-                                <p:cTn id="17" presetID="2" presetClass="entr" presetSubtype="4" fill="hold" nodeType="clickEffect">
-                                  <p:stCondLst>
-                                    <p:cond delay="0"/>
-                                  </p:stCondLst>
-                                  <p:childTnLst>
-                                    <p:set>
-                                      <p:cBhvr>
-                                        <p:cTn id="18" dur="1" fill="hold">
-                                          <p:stCondLst>
-                                            <p:cond delay="0"/>
-                                          </p:stCondLst>
-                                        </p:cTn>
-                                        <p:tgtEl>
-                                          <p:spTgt spid="3">
-                                            <p:txEl>
-                                              <p:pRg st="4" end="4"/>
-                                            </p:txEl>
-                                          </p:spTgt>
-                                        </p:tgtEl>
-                                        <p:attrNameLst>
-                                          <p:attrName>style.visibility</p:attrName>
-                                        </p:attrNameLst>
-                                      </p:cBhvr>
-                                      <p:to>
-                                        <p:strVal val="visible"/>
-                                      </p:to>
-                                    </p:set>
-                                    <p:anim calcmode="lin" valueType="num">
-                                      <p:cBhvr additive="base">
-                                        <p:cTn id="19" dur="500" fill="hold"/>
-                                        <p:tgtEl>
-                                          <p:spTgt spid="3">
-                                            <p:txEl>
-                                              <p:pRg st="4" end="4"/>
-                                            </p:txEl>
-                                          </p:spTgt>
-                                        </p:tgtEl>
-                                        <p:attrNameLst>
-                                          <p:attrName>ppt_x</p:attrName>
-                                        </p:attrNameLst>
-                                      </p:cBhvr>
-                                      <p:tavLst>
-                                        <p:tav tm="0">
-                                          <p:val>
-                                            <p:strVal val="#ppt_x"/>
-                                          </p:val>
-                                        </p:tav>
-                                        <p:tav tm="100000">
-                                          <p:val>
-                                            <p:strVal val="#ppt_x"/>
-                                          </p:val>
-                                        </p:tav>
-                                      </p:tavLst>
-                                    </p:anim>
-                                    <p:anim calcmode="lin" valueType="num">
-                                      <p:cBhvr additive="base">
-                                        <p:cTn id="20" dur="500" fill="hold"/>
-                                        <p:tgtEl>
-                                          <p:spTgt spid="3">
-                                            <p:txEl>
-                                              <p:pRg st="4" end="4"/>
-                                            </p:txEl>
-                                          </p:spTgt>
-                                        </p:tgtEl>
-                                        <p:attrNameLst>
-                                          <p:attrName>ppt_y</p:attrName>
-                                        </p:attrNameLst>
-                                      </p:cBhvr>
-                                      <p:tavLst>
-                                        <p:tav tm="0">
-                                          <p:val>
-                                            <p:strVal val="1+#ppt_h/2"/>
-                                          </p:val>
-                                        </p:tav>
-                                        <p:tav tm="100000">
-                                          <p:val>
-                                            <p:strVal val="#ppt_y"/>
-                                          </p:val>
-                                        </p:tav>
-                                      </p:tavLst>
-                                    </p:anim>
-                                  </p:childTnLst>
-                                </p:cTn>
-                              </p:par>
-                            </p:childTnLst>
-                          </p:cTn>
-                        </p:par>
-                      </p:childTnLst>
-                    </p:cTn>
-                  </p:par>
-                </p:childTnLst>
-              </p:cTn>
-              <p:prevCondLst>
-                <p:cond evt="onPrev" delay="0">
-                  <p:tgtEl>
-                    <p:sldTgt/>
-                  </p:tgtEl>
-                </p:cond>
-              </p:prevCondLst>
-              <p:nextCondLst>
-                <p:cond evt="onNext" delay="0">
-                  <p:tgtEl>
-                    <p:sldTgt/>
-                  </p:tgtEl>
-                </p:cond>
-              </p:nextCondLst>
-            </p:seq>
-          </p:childTnLst>
-        </p:cTn>
-      </p:par>
-    </p:tnLst>
-  </p:timing>
 </p:sld>
 </file>
 
@@ -12571,12 +11985,20 @@
           <a:lstStyle/>
           <a:p>
             <a:r>
+              <a:rPr lang="de-DE" sz="2800" dirty="0"/>
+              <a:t>„</a:t>
+            </a:r>
+            <a:r>
               <a:rPr lang="de-DE" sz="2800" dirty="0" err="1"/>
-              <a:t>solveNakedSingle</a:t>
+              <a:t>Naked</a:t>
+            </a:r>
+            <a:r>
+              <a:rPr lang="de-DE" sz="2800" dirty="0"/>
+              <a:t> Singles</a:t>
             </a:r>
             <a:r>
               <a:rPr lang="de-DE" sz="3200" dirty="0"/>
-              <a:t>()</a:t>
+              <a:t>“</a:t>
             </a:r>
           </a:p>
         </p:txBody>
@@ -12647,7 +12069,7 @@
           <a:p>
             <a:fld id="{B0643A05-9DA0-4259-B127-F7147E415774}" type="datetime1">
               <a:rPr lang="de-DE" smtClean="0"/>
-              <a:t>14.06.2018</a:t>
+              <a:t>15.06.2018</a:t>
             </a:fld>
             <a:endParaRPr lang="de-DE" dirty="0"/>
           </a:p>
@@ -13047,7 +12469,7 @@
               <a:rPr lang="de-DE" dirty="0">
                 <a:latin typeface="Calibri" panose="020F0502020204030204" pitchFamily="34" charset="0"/>
               </a:rPr>
-              <a:t>Prüft nacheinander in Zeilen, Spalten, Blöcken</a:t>
+              <a:t>Prüft nacheinander einzelne Zeilen, Spalten und Blöcke</a:t>
             </a:r>
           </a:p>
           <a:p>
@@ -13055,7 +12477,7 @@
               <a:rPr lang="de-DE" dirty="0">
                 <a:latin typeface="Calibri" panose="020F0502020204030204" pitchFamily="34" charset="0"/>
               </a:rPr>
-              <a:t>Welche Position passt zu jedem einzelnen Wert</a:t>
+              <a:t>Für fehlende Werte die jeweils möglichen Positionen bestimmen</a:t>
             </a:r>
           </a:p>
           <a:p>
@@ -13063,7 +12485,7 @@
               <a:rPr lang="de-DE" dirty="0">
                 <a:latin typeface="Calibri" panose="020F0502020204030204" pitchFamily="34" charset="0"/>
               </a:rPr>
-              <a:t>Falls es zu einem Wert nur eine Position gibt, wird dieser eingetragen</a:t>
+              <a:t>Falls es zu einem Wert nur eine mögliche Position gibt, wird dieser eingetragen</a:t>
             </a:r>
           </a:p>
         </p:txBody>
@@ -13116,12 +12538,8 @@
           </a:lstStyle>
           <a:p>
             <a:r>
-              <a:rPr lang="de-DE" sz="2800" dirty="0" err="1"/>
-              <a:t>solveHiddenSingle</a:t>
-            </a:r>
-            <a:r>
               <a:rPr lang="de-DE" sz="2800" dirty="0"/>
-              <a:t>()</a:t>
+              <a:t>„Hidden Singles“</a:t>
             </a:r>
           </a:p>
         </p:txBody>
@@ -13256,6 +12674,20 @@
           </a:p>
           <a:p>
             <a:r>
+              <a:rPr lang="de-DE" dirty="0" err="1">
+                <a:latin typeface="Calibri" panose="020F0502020204030204" pitchFamily="34" charset="0"/>
+              </a:rPr>
+              <a:t>Brute</a:t>
+            </a:r>
+            <a:r>
+              <a:rPr lang="de-DE" dirty="0">
+                <a:latin typeface="Calibri" panose="020F0502020204030204" pitchFamily="34" charset="0"/>
+              </a:rPr>
+              <a:t> Force Methode </a:t>
+            </a:r>
+          </a:p>
+          <a:p>
+            <a:r>
               <a:rPr lang="de-DE" dirty="0">
                 <a:latin typeface="Calibri" panose="020F0502020204030204" pitchFamily="34" charset="0"/>
               </a:rPr>
@@ -13286,7 +12718,7 @@
           <a:p>
             <a:fld id="{B0643A05-9DA0-4259-B127-F7147E415774}" type="datetime1">
               <a:rPr lang="de-DE" smtClean="0"/>
-              <a:t>14.06.2018</a:t>
+              <a:t>15.06.2018</a:t>
             </a:fld>
             <a:endParaRPr lang="de-DE" dirty="0"/>
           </a:p>
@@ -13513,7 +12945,7 @@
           <a:p>
             <a:fld id="{B0643A05-9DA0-4259-B127-F7147E415774}" type="datetime1">
               <a:rPr lang="de-DE" smtClean="0"/>
-              <a:t>14.06.2018</a:t>
+              <a:t>15.06.2018</a:t>
             </a:fld>
             <a:endParaRPr lang="de-DE" dirty="0"/>
           </a:p>
@@ -14214,7 +13646,7 @@
           <p:nvPr>
             <p:extLst>
               <p:ext uri="{D42A27DB-BD31-4B8C-83A1-F6EECF244321}">
-                <p14:modId xmlns:p14="http://schemas.microsoft.com/office/powerpoint/2010/main" val="2238753165"/>
+                <p14:modId xmlns:p14="http://schemas.microsoft.com/office/powerpoint/2010/main" val="2020099092"/>
               </p:ext>
             </p:extLst>
           </p:nvPr>
@@ -14303,7 +13735,7 @@
           <a:p>
             <a:fld id="{B0643A05-9DA0-4259-B127-F7147E415774}" type="datetime1">
               <a:rPr lang="de-DE" smtClean="0"/>
-              <a:t>14.06.2018</a:t>
+              <a:t>15.06.2018</a:t>
             </a:fld>
             <a:endParaRPr lang="de-DE" dirty="0"/>
           </a:p>
@@ -15004,7 +14436,7 @@
           <p:nvPr>
             <p:extLst>
               <p:ext uri="{D42A27DB-BD31-4B8C-83A1-F6EECF244321}">
-                <p14:modId xmlns:p14="http://schemas.microsoft.com/office/powerpoint/2010/main" val="241255476"/>
+                <p14:modId xmlns:p14="http://schemas.microsoft.com/office/powerpoint/2010/main" val="2491188520"/>
               </p:ext>
             </p:extLst>
           </p:nvPr>
@@ -15033,7 +14465,7 @@
         </p:nvSpPr>
         <p:spPr>
           <a:xfrm rot="946177">
-            <a:off x="5258549" y="3437956"/>
+            <a:off x="5425817" y="3698188"/>
             <a:ext cx="2269636" cy="2084163"/>
           </a:xfrm>
           <a:prstGeom prst="leftCircularArrow">
@@ -15091,6 +14523,699 @@
     <p:extLst>
       <p:ext uri="{BB962C8B-B14F-4D97-AF65-F5344CB8AC3E}">
         <p14:creationId xmlns:p14="http://schemas.microsoft.com/office/powerpoint/2010/main" val="2348883867"/>
+      </p:ext>
+    </p:extLst>
+  </p:cSld>
+  <p:clrMapOvr>
+    <a:masterClrMapping/>
+  </p:clrMapOvr>
+</p:sld>
+</file>
+
+<file path=ppt/slides/slide8.xml><?xml version="1.0" encoding="utf-8"?>
+<p:sld xmlns:a="http://schemas.openxmlformats.org/drawingml/2006/main" xmlns:r="http://schemas.openxmlformats.org/officeDocument/2006/relationships" xmlns:p="http://schemas.openxmlformats.org/presentationml/2006/main">
+  <p:cSld>
+    <p:spTree>
+      <p:nvGrpSpPr>
+        <p:cNvPr id="1" name=""/>
+        <p:cNvGrpSpPr/>
+        <p:nvPr/>
+      </p:nvGrpSpPr>
+      <p:grpSpPr>
+        <a:xfrm>
+          <a:off x="0" y="0"/>
+          <a:ext cx="0" cy="0"/>
+          <a:chOff x="0" y="0"/>
+          <a:chExt cx="0" cy="0"/>
+        </a:xfrm>
+      </p:grpSpPr>
+      <p:sp>
+        <p:nvSpPr>
+          <p:cNvPr id="2" name="Titel 1"/>
+          <p:cNvSpPr>
+            <a:spLocks noGrp="1"/>
+          </p:cNvSpPr>
+          <p:nvPr>
+            <p:ph type="title"/>
+          </p:nvPr>
+        </p:nvSpPr>
+        <p:spPr>
+          <a:xfrm>
+            <a:off x="1261872" y="288622"/>
+            <a:ext cx="9692640" cy="1397124"/>
+          </a:xfrm>
+        </p:spPr>
+        <p:txBody>
+          <a:bodyPr/>
+          <a:lstStyle/>
+          <a:p>
+            <a:r>
+              <a:rPr lang="de-DE" dirty="0"/>
+              <a:t>Benchmarking</a:t>
+            </a:r>
+          </a:p>
+        </p:txBody>
+      </p:sp>
+      <p:sp>
+        <p:nvSpPr>
+          <p:cNvPr id="5" name="Datumsplatzhalter 4"/>
+          <p:cNvSpPr>
+            <a:spLocks noGrp="1"/>
+          </p:cNvSpPr>
+          <p:nvPr>
+            <p:ph type="dt" sz="half" idx="10"/>
+          </p:nvPr>
+        </p:nvSpPr>
+        <p:spPr>
+          <a:xfrm rot="16200000">
+            <a:off x="10797542" y="998537"/>
+            <a:ext cx="1904999" cy="365125"/>
+          </a:xfrm>
+        </p:spPr>
+        <p:txBody>
+          <a:bodyPr/>
+          <a:lstStyle/>
+          <a:p>
+            <a:fld id="{B0643A05-9DA0-4259-B127-F7147E415774}" type="datetime1">
+              <a:rPr lang="de-DE" smtClean="0"/>
+              <a:t>15.06.2018</a:t>
+            </a:fld>
+            <a:endParaRPr lang="de-DE" dirty="0"/>
+          </a:p>
+        </p:txBody>
+      </p:sp>
+      <p:pic>
+        <p:nvPicPr>
+          <p:cNvPr id="6" name="Picture 2" descr="http://jobs.zeit.de/image-upload/header_400.jpg"/>
+          <p:cNvPicPr>
+            <a:picLocks noChangeAspect="1" noChangeArrowheads="1"/>
+          </p:cNvPicPr>
+          <p:nvPr/>
+        </p:nvPicPr>
+        <p:blipFill rotWithShape="1">
+          <a:blip r:embed="rId2">
+            <a:extLst>
+              <a:ext uri="{28A0092B-C50C-407E-A947-70E740481C1C}">
+                <a14:useLocalDpi xmlns:a14="http://schemas.microsoft.com/office/drawing/2010/main" val="0"/>
+              </a:ext>
+            </a:extLst>
+          </a:blip>
+          <a:srcRect t="23399"/>
+          <a:stretch/>
+        </p:blipFill>
+        <p:spPr bwMode="auto">
+          <a:xfrm>
+            <a:off x="457449" y="4870"/>
+            <a:ext cx="2949245" cy="520182"/>
+          </a:xfrm>
+          <a:prstGeom prst="rect">
+            <a:avLst/>
+          </a:prstGeom>
+          <a:noFill/>
+          <a:extLst>
+            <a:ext uri="{909E8E84-426E-40DD-AFC4-6F175D3DCCD1}">
+              <a14:hiddenFill xmlns:a14="http://schemas.microsoft.com/office/drawing/2010/main">
+                <a:solidFill>
+                  <a:srgbClr val="FFFFFF"/>
+                </a:solidFill>
+              </a14:hiddenFill>
+            </a:ext>
+          </a:extLst>
+        </p:spPr>
+      </p:pic>
+      <p:sp>
+        <p:nvSpPr>
+          <p:cNvPr id="8" name="Rechteck 7"/>
+          <p:cNvSpPr/>
+          <p:nvPr/>
+        </p:nvSpPr>
+        <p:spPr>
+          <a:xfrm>
+            <a:off x="451520" y="1674"/>
+            <a:ext cx="10836000" cy="540000"/>
+          </a:xfrm>
+          <a:prstGeom prst="rect">
+            <a:avLst/>
+          </a:prstGeom>
+          <a:noFill/>
+          <a:ln w="3175">
+            <a:solidFill>
+              <a:schemeClr val="bg1">
+                <a:lumMod val="75000"/>
+              </a:schemeClr>
+            </a:solidFill>
+          </a:ln>
+        </p:spPr>
+        <p:style>
+          <a:lnRef idx="2">
+            <a:schemeClr val="accent1">
+              <a:shade val="50000"/>
+            </a:schemeClr>
+          </a:lnRef>
+          <a:fillRef idx="1">
+            <a:schemeClr val="accent1"/>
+          </a:fillRef>
+          <a:effectRef idx="0">
+            <a:schemeClr val="accent1"/>
+          </a:effectRef>
+          <a:fontRef idx="minor">
+            <a:schemeClr val="lt1"/>
+          </a:fontRef>
+        </p:style>
+        <p:txBody>
+          <a:bodyPr rtlCol="0" anchor="ctr"/>
+          <a:lstStyle/>
+          <a:p>
+            <a:pPr algn="ctr"/>
+            <a:endParaRPr lang="de-DE" dirty="0"/>
+          </a:p>
+        </p:txBody>
+      </p:sp>
+      <p:sp>
+        <p:nvSpPr>
+          <p:cNvPr id="4" name="Fußzeilenplatzhalter 3">
+            <a:extLst>
+              <a:ext uri="{FF2B5EF4-FFF2-40B4-BE49-F238E27FC236}">
+                <a16:creationId xmlns:a16="http://schemas.microsoft.com/office/drawing/2014/main" id="{F6D0C089-33D7-462E-BF30-8A3CE9385928}"/>
+              </a:ext>
+            </a:extLst>
+          </p:cNvPr>
+          <p:cNvSpPr>
+            <a:spLocks noGrp="1"/>
+          </p:cNvSpPr>
+          <p:nvPr>
+            <p:ph type="ftr" sz="quarter" idx="11"/>
+          </p:nvPr>
+        </p:nvSpPr>
+        <p:spPr>
+          <a:xfrm rot="16200000">
+            <a:off x="9959341" y="4046537"/>
+            <a:ext cx="3581400" cy="365125"/>
+          </a:xfrm>
+        </p:spPr>
+        <p:txBody>
+          <a:bodyPr/>
+          <a:lstStyle/>
+          <a:p>
+            <a:r>
+              <a:rPr lang="de-DE"/>
+              <a:t>Algorithmen und Datenstrukturen II: Sudoku solver</a:t>
+            </a:r>
+            <a:endParaRPr lang="de-DE" dirty="0"/>
+          </a:p>
+        </p:txBody>
+      </p:sp>
+      <p:sp>
+        <p:nvSpPr>
+          <p:cNvPr id="13" name="Inhaltsplatzhalter 2">
+            <a:extLst>
+              <a:ext uri="{FF2B5EF4-FFF2-40B4-BE49-F238E27FC236}">
+                <a16:creationId xmlns:a16="http://schemas.microsoft.com/office/drawing/2014/main" id="{5A604281-70EF-4BFC-BAE2-0EC833DB07D9}"/>
+              </a:ext>
+            </a:extLst>
+          </p:cNvPr>
+          <p:cNvSpPr txBox="1">
+            <a:spLocks/>
+          </p:cNvSpPr>
+          <p:nvPr/>
+        </p:nvSpPr>
+        <p:spPr>
+          <a:xfrm>
+            <a:off x="1261871" y="2074127"/>
+            <a:ext cx="4904753" cy="4427860"/>
+          </a:xfrm>
+          <a:prstGeom prst="rect">
+            <a:avLst/>
+          </a:prstGeom>
+        </p:spPr>
+        <p:txBody>
+          <a:bodyPr vert="horz" lIns="91440" tIns="45720" rIns="91440" bIns="45720" rtlCol="0">
+            <a:normAutofit/>
+          </a:bodyPr>
+          <a:lstStyle>
+            <a:lvl1pPr marL="182880" indent="-182880" algn="l" defTabSz="914400" rtl="0" eaLnBrk="1" latinLnBrk="0" hangingPunct="1">
+              <a:lnSpc>
+                <a:spcPct val="95000"/>
+              </a:lnSpc>
+              <a:spcBef>
+                <a:spcPts val="1400"/>
+              </a:spcBef>
+              <a:spcAft>
+                <a:spcPts val="200"/>
+              </a:spcAft>
+              <a:buClr>
+                <a:schemeClr val="accent1"/>
+              </a:buClr>
+              <a:buSzPct val="80000"/>
+              <a:buFont typeface="Arial" pitchFamily="34" charset="0"/>
+              <a:buChar char="•"/>
+              <a:defRPr sz="2000" kern="1200" spc="10" baseline="0">
+                <a:solidFill>
+                  <a:schemeClr val="tx1">
+                    <a:lumMod val="65000"/>
+                    <a:lumOff val="35000"/>
+                  </a:schemeClr>
+                </a:solidFill>
+                <a:latin typeface="+mn-lt"/>
+                <a:ea typeface="+mn-ea"/>
+                <a:cs typeface="+mn-cs"/>
+              </a:defRPr>
+            </a:lvl1pPr>
+            <a:lvl2pPr marL="457200" indent="-182880" algn="l" defTabSz="914400" rtl="0" eaLnBrk="1" latinLnBrk="0" hangingPunct="1">
+              <a:lnSpc>
+                <a:spcPct val="90000"/>
+              </a:lnSpc>
+              <a:spcBef>
+                <a:spcPts val="300"/>
+              </a:spcBef>
+              <a:spcAft>
+                <a:spcPts val="300"/>
+              </a:spcAft>
+              <a:buClr>
+                <a:schemeClr val="accent1"/>
+              </a:buClr>
+              <a:buFont typeface="Wingdings 2" pitchFamily="18" charset="2"/>
+              <a:buChar char=""/>
+              <a:defRPr sz="1800" kern="1200">
+                <a:solidFill>
+                  <a:schemeClr val="tx1">
+                    <a:lumMod val="65000"/>
+                    <a:lumOff val="35000"/>
+                  </a:schemeClr>
+                </a:solidFill>
+                <a:latin typeface="+mn-lt"/>
+                <a:ea typeface="+mn-ea"/>
+                <a:cs typeface="+mn-cs"/>
+              </a:defRPr>
+            </a:lvl2pPr>
+            <a:lvl3pPr marL="731520" indent="-182880" algn="l" defTabSz="914400" rtl="0" eaLnBrk="1" latinLnBrk="0" hangingPunct="1">
+              <a:lnSpc>
+                <a:spcPct val="90000"/>
+              </a:lnSpc>
+              <a:spcBef>
+                <a:spcPts val="300"/>
+              </a:spcBef>
+              <a:spcAft>
+                <a:spcPts val="300"/>
+              </a:spcAft>
+              <a:buClr>
+                <a:schemeClr val="accent1"/>
+              </a:buClr>
+              <a:buFont typeface="Wingdings 2" pitchFamily="18" charset="2"/>
+              <a:buChar char=""/>
+              <a:defRPr sz="1600" kern="1200">
+                <a:solidFill>
+                  <a:schemeClr val="tx1">
+                    <a:lumMod val="65000"/>
+                    <a:lumOff val="35000"/>
+                  </a:schemeClr>
+                </a:solidFill>
+                <a:latin typeface="+mn-lt"/>
+                <a:ea typeface="+mn-ea"/>
+                <a:cs typeface="+mn-cs"/>
+              </a:defRPr>
+            </a:lvl3pPr>
+            <a:lvl4pPr marL="1005840" indent="-182880" algn="l" defTabSz="914400" rtl="0" eaLnBrk="1" latinLnBrk="0" hangingPunct="1">
+              <a:lnSpc>
+                <a:spcPct val="90000"/>
+              </a:lnSpc>
+              <a:spcBef>
+                <a:spcPts val="300"/>
+              </a:spcBef>
+              <a:spcAft>
+                <a:spcPts val="300"/>
+              </a:spcAft>
+              <a:buClr>
+                <a:schemeClr val="accent1"/>
+              </a:buClr>
+              <a:buFont typeface="Wingdings 2" pitchFamily="18" charset="2"/>
+              <a:buChar char=""/>
+              <a:defRPr sz="1400" kern="1200">
+                <a:solidFill>
+                  <a:schemeClr val="tx1">
+                    <a:lumMod val="65000"/>
+                    <a:lumOff val="35000"/>
+                  </a:schemeClr>
+                </a:solidFill>
+                <a:latin typeface="+mn-lt"/>
+                <a:ea typeface="+mn-ea"/>
+                <a:cs typeface="+mn-cs"/>
+              </a:defRPr>
+            </a:lvl4pPr>
+            <a:lvl5pPr marL="1280160" indent="-182880" algn="l" defTabSz="914400" rtl="0" eaLnBrk="1" latinLnBrk="0" hangingPunct="1">
+              <a:lnSpc>
+                <a:spcPct val="90000"/>
+              </a:lnSpc>
+              <a:spcBef>
+                <a:spcPts val="300"/>
+              </a:spcBef>
+              <a:spcAft>
+                <a:spcPts val="300"/>
+              </a:spcAft>
+              <a:buClr>
+                <a:schemeClr val="accent1"/>
+              </a:buClr>
+              <a:buFont typeface="Wingdings 2" pitchFamily="18" charset="2"/>
+              <a:buChar char=""/>
+              <a:defRPr sz="1400" kern="1200">
+                <a:solidFill>
+                  <a:schemeClr val="tx1">
+                    <a:lumMod val="65000"/>
+                    <a:lumOff val="35000"/>
+                  </a:schemeClr>
+                </a:solidFill>
+                <a:latin typeface="+mn-lt"/>
+                <a:ea typeface="+mn-ea"/>
+                <a:cs typeface="+mn-cs"/>
+              </a:defRPr>
+            </a:lvl5pPr>
+            <a:lvl6pPr marL="1600000" indent="-228600" algn="l" defTabSz="914400" rtl="0" eaLnBrk="1" latinLnBrk="0" hangingPunct="1">
+              <a:lnSpc>
+                <a:spcPct val="90000"/>
+              </a:lnSpc>
+              <a:spcBef>
+                <a:spcPts val="300"/>
+              </a:spcBef>
+              <a:spcAft>
+                <a:spcPts val="300"/>
+              </a:spcAft>
+              <a:buClr>
+                <a:schemeClr val="accent1"/>
+              </a:buClr>
+              <a:buFont typeface="Wingdings 2" pitchFamily="18" charset="2"/>
+              <a:buChar char=""/>
+              <a:defRPr sz="1400" kern="1200">
+                <a:solidFill>
+                  <a:schemeClr val="tx1">
+                    <a:lumMod val="65000"/>
+                    <a:lumOff val="35000"/>
+                  </a:schemeClr>
+                </a:solidFill>
+                <a:latin typeface="+mn-lt"/>
+                <a:ea typeface="+mn-ea"/>
+                <a:cs typeface="+mn-cs"/>
+              </a:defRPr>
+            </a:lvl6pPr>
+            <a:lvl7pPr marL="1900000" indent="-228600" algn="l" defTabSz="914400" rtl="0" eaLnBrk="1" latinLnBrk="0" hangingPunct="1">
+              <a:lnSpc>
+                <a:spcPct val="90000"/>
+              </a:lnSpc>
+              <a:spcBef>
+                <a:spcPts val="300"/>
+              </a:spcBef>
+              <a:spcAft>
+                <a:spcPts val="300"/>
+              </a:spcAft>
+              <a:buClr>
+                <a:schemeClr val="accent1"/>
+              </a:buClr>
+              <a:buFont typeface="Wingdings 2" pitchFamily="18" charset="2"/>
+              <a:buChar char=""/>
+              <a:defRPr sz="1400" kern="1200">
+                <a:solidFill>
+                  <a:schemeClr val="tx1">
+                    <a:lumMod val="65000"/>
+                    <a:lumOff val="35000"/>
+                  </a:schemeClr>
+                </a:solidFill>
+                <a:latin typeface="+mn-lt"/>
+                <a:ea typeface="+mn-ea"/>
+                <a:cs typeface="+mn-cs"/>
+              </a:defRPr>
+            </a:lvl7pPr>
+            <a:lvl8pPr marL="2200000" indent="-228600" algn="l" defTabSz="914400" rtl="0" eaLnBrk="1" latinLnBrk="0" hangingPunct="1">
+              <a:lnSpc>
+                <a:spcPct val="90000"/>
+              </a:lnSpc>
+              <a:spcBef>
+                <a:spcPts val="300"/>
+              </a:spcBef>
+              <a:spcAft>
+                <a:spcPts val="300"/>
+              </a:spcAft>
+              <a:buClr>
+                <a:schemeClr val="accent1"/>
+              </a:buClr>
+              <a:buFont typeface="Wingdings 2" pitchFamily="18" charset="2"/>
+              <a:buChar char=""/>
+              <a:defRPr sz="1400" kern="1200">
+                <a:solidFill>
+                  <a:schemeClr val="tx1">
+                    <a:lumMod val="65000"/>
+                    <a:lumOff val="35000"/>
+                  </a:schemeClr>
+                </a:solidFill>
+                <a:latin typeface="+mn-lt"/>
+                <a:ea typeface="+mn-ea"/>
+                <a:cs typeface="+mn-cs"/>
+              </a:defRPr>
+            </a:lvl8pPr>
+            <a:lvl9pPr marL="2500000" indent="-228600" algn="l" defTabSz="914400" rtl="0" eaLnBrk="1" latinLnBrk="0" hangingPunct="1">
+              <a:lnSpc>
+                <a:spcPct val="90000"/>
+              </a:lnSpc>
+              <a:spcBef>
+                <a:spcPts val="300"/>
+              </a:spcBef>
+              <a:spcAft>
+                <a:spcPts val="300"/>
+              </a:spcAft>
+              <a:buClr>
+                <a:schemeClr val="accent1"/>
+              </a:buClr>
+              <a:buFont typeface="Wingdings 2" pitchFamily="18" charset="2"/>
+              <a:buChar char=""/>
+              <a:defRPr sz="1400" kern="1200">
+                <a:solidFill>
+                  <a:schemeClr val="tx1">
+                    <a:lumMod val="65000"/>
+                    <a:lumOff val="35000"/>
+                  </a:schemeClr>
+                </a:solidFill>
+                <a:latin typeface="+mn-lt"/>
+                <a:ea typeface="+mn-ea"/>
+                <a:cs typeface="+mn-cs"/>
+              </a:defRPr>
+            </a:lvl9pPr>
+          </a:lstStyle>
+          <a:p>
+            <a:r>
+              <a:rPr lang="de-DE" dirty="0">
+                <a:latin typeface="Calibri" panose="020F0502020204030204" pitchFamily="34" charset="0"/>
+              </a:rPr>
+              <a:t>Während des Lösens wird gezählt, wie viele Zellen durch die einzelnen Algorithmen gelöst werden</a:t>
+            </a:r>
+          </a:p>
+          <a:p>
+            <a:r>
+              <a:rPr lang="de-DE" dirty="0">
+                <a:latin typeface="Calibri" panose="020F0502020204030204" pitchFamily="34" charset="0"/>
+              </a:rPr>
+              <a:t>Zusätzlich wird die benötigte Zeit gemessen</a:t>
+            </a:r>
+          </a:p>
+          <a:p>
+            <a:r>
+              <a:rPr lang="de-DE" dirty="0">
+                <a:latin typeface="Calibri" panose="020F0502020204030204" pitchFamily="34" charset="0"/>
+              </a:rPr>
+              <a:t>Erlaubt einen schnellen Vergleich der Lösungsmethoden</a:t>
+            </a:r>
+          </a:p>
+        </p:txBody>
+      </p:sp>
+      <p:pic>
+        <p:nvPicPr>
+          <p:cNvPr id="1026" name="Picture 2" descr="Ãhnliches Foto">
+            <a:extLst>
+              <a:ext uri="{FF2B5EF4-FFF2-40B4-BE49-F238E27FC236}">
+                <a16:creationId xmlns:a16="http://schemas.microsoft.com/office/drawing/2014/main" id="{D8019CD2-A054-4AC5-B48A-90CF8826D39F}"/>
+              </a:ext>
+            </a:extLst>
+          </p:cNvPr>
+          <p:cNvPicPr>
+            <a:picLocks noChangeAspect="1" noChangeArrowheads="1"/>
+          </p:cNvPicPr>
+          <p:nvPr/>
+        </p:nvPicPr>
+        <p:blipFill>
+          <a:blip r:embed="rId3">
+            <a:extLst>
+              <a:ext uri="{28A0092B-C50C-407E-A947-70E740481C1C}">
+                <a14:useLocalDpi xmlns:a14="http://schemas.microsoft.com/office/drawing/2010/main" val="0"/>
+              </a:ext>
+            </a:extLst>
+          </a:blip>
+          <a:srcRect/>
+          <a:stretch>
+            <a:fillRect/>
+          </a:stretch>
+        </p:blipFill>
+        <p:spPr bwMode="auto">
+          <a:xfrm>
+            <a:off x="6969697" y="2074127"/>
+            <a:ext cx="3086728" cy="3919654"/>
+          </a:xfrm>
+          <a:prstGeom prst="rect">
+            <a:avLst/>
+          </a:prstGeom>
+          <a:noFill/>
+          <a:extLst>
+            <a:ext uri="{909E8E84-426E-40DD-AFC4-6F175D3DCCD1}">
+              <a14:hiddenFill xmlns:a14="http://schemas.microsoft.com/office/drawing/2010/main">
+                <a:solidFill>
+                  <a:srgbClr val="FFFFFF"/>
+                </a:solidFill>
+              </a14:hiddenFill>
+            </a:ext>
+          </a:extLst>
+        </p:spPr>
+      </p:pic>
+    </p:spTree>
+    <p:extLst>
+      <p:ext uri="{BB962C8B-B14F-4D97-AF65-F5344CB8AC3E}">
+        <p14:creationId xmlns:p14="http://schemas.microsoft.com/office/powerpoint/2010/main" val="3420749715"/>
+      </p:ext>
+    </p:extLst>
+  </p:cSld>
+  <p:clrMapOvr>
+    <a:masterClrMapping/>
+  </p:clrMapOvr>
+</p:sld>
+</file>
+
+<file path=ppt/slides/slide9.xml><?xml version="1.0" encoding="utf-8"?>
+<p:sld xmlns:a="http://schemas.openxmlformats.org/drawingml/2006/main" xmlns:r="http://schemas.openxmlformats.org/officeDocument/2006/relationships" xmlns:p="http://schemas.openxmlformats.org/presentationml/2006/main">
+  <p:cSld>
+    <p:spTree>
+      <p:nvGrpSpPr>
+        <p:cNvPr id="1" name=""/>
+        <p:cNvGrpSpPr/>
+        <p:nvPr/>
+      </p:nvGrpSpPr>
+      <p:grpSpPr>
+        <a:xfrm>
+          <a:off x="0" y="0"/>
+          <a:ext cx="0" cy="0"/>
+          <a:chOff x="0" y="0"/>
+          <a:chExt cx="0" cy="0"/>
+        </a:xfrm>
+      </p:grpSpPr>
+      <p:sp>
+        <p:nvSpPr>
+          <p:cNvPr id="7" name="Titel 6">
+            <a:extLst>
+              <a:ext uri="{FF2B5EF4-FFF2-40B4-BE49-F238E27FC236}">
+                <a16:creationId xmlns:a16="http://schemas.microsoft.com/office/drawing/2014/main" id="{389660DD-CA06-4C7A-B015-4F042CC13A18}"/>
+              </a:ext>
+            </a:extLst>
+          </p:cNvPr>
+          <p:cNvSpPr>
+            <a:spLocks noGrp="1"/>
+          </p:cNvSpPr>
+          <p:nvPr>
+            <p:ph type="title"/>
+          </p:nvPr>
+        </p:nvSpPr>
+        <p:spPr/>
+        <p:txBody>
+          <a:bodyPr/>
+          <a:lstStyle/>
+          <a:p>
+            <a:r>
+              <a:rPr lang="de-DE" dirty="0"/>
+              <a:t>Live-Demo</a:t>
+            </a:r>
+          </a:p>
+        </p:txBody>
+      </p:sp>
+      <p:sp>
+        <p:nvSpPr>
+          <p:cNvPr id="8" name="Textplatzhalter 7">
+            <a:extLst>
+              <a:ext uri="{FF2B5EF4-FFF2-40B4-BE49-F238E27FC236}">
+                <a16:creationId xmlns:a16="http://schemas.microsoft.com/office/drawing/2014/main" id="{6321FE5B-46A5-4FBF-96ED-00416762B86C}"/>
+              </a:ext>
+            </a:extLst>
+          </p:cNvPr>
+          <p:cNvSpPr>
+            <a:spLocks noGrp="1"/>
+          </p:cNvSpPr>
+          <p:nvPr>
+            <p:ph type="body" idx="1"/>
+          </p:nvPr>
+        </p:nvSpPr>
+        <p:spPr/>
+        <p:txBody>
+          <a:bodyPr/>
+          <a:lstStyle/>
+          <a:p>
+            <a:endParaRPr lang="de-DE" dirty="0"/>
+          </a:p>
+        </p:txBody>
+      </p:sp>
+      <p:sp>
+        <p:nvSpPr>
+          <p:cNvPr id="5" name="Datumsplatzhalter 4">
+            <a:extLst>
+              <a:ext uri="{FF2B5EF4-FFF2-40B4-BE49-F238E27FC236}">
+                <a16:creationId xmlns:a16="http://schemas.microsoft.com/office/drawing/2014/main" id="{702EBF05-010E-4C76-9AF6-D1AB4D14CBEA}"/>
+              </a:ext>
+            </a:extLst>
+          </p:cNvPr>
+          <p:cNvSpPr>
+            <a:spLocks noGrp="1"/>
+          </p:cNvSpPr>
+          <p:nvPr>
+            <p:ph type="dt" sz="half" idx="10"/>
+          </p:nvPr>
+        </p:nvSpPr>
+        <p:spPr/>
+        <p:txBody>
+          <a:bodyPr/>
+          <a:lstStyle/>
+          <a:p>
+            <a:fld id="{7AB44D5C-04F7-43EE-9B3A-CEFE2347C316}" type="datetime1">
+              <a:rPr lang="de-DE" smtClean="0"/>
+              <a:t>15.06.2018</a:t>
+            </a:fld>
+            <a:endParaRPr lang="de-DE" dirty="0"/>
+          </a:p>
+        </p:txBody>
+      </p:sp>
+      <p:sp>
+        <p:nvSpPr>
+          <p:cNvPr id="6" name="Fußzeilenplatzhalter 5">
+            <a:extLst>
+              <a:ext uri="{FF2B5EF4-FFF2-40B4-BE49-F238E27FC236}">
+                <a16:creationId xmlns:a16="http://schemas.microsoft.com/office/drawing/2014/main" id="{EB0C8556-A1A8-49BD-B366-4368AA920F93}"/>
+              </a:ext>
+            </a:extLst>
+          </p:cNvPr>
+          <p:cNvSpPr>
+            <a:spLocks noGrp="1"/>
+          </p:cNvSpPr>
+          <p:nvPr>
+            <p:ph type="ftr" sz="quarter" idx="11"/>
+          </p:nvPr>
+        </p:nvSpPr>
+        <p:spPr/>
+        <p:txBody>
+          <a:bodyPr/>
+          <a:lstStyle/>
+          <a:p>
+            <a:r>
+              <a:rPr lang="de-DE"/>
+              <a:t>Algorithmen und Datenstrukturen II: Sudoku solver</a:t>
+            </a:r>
+            <a:endParaRPr lang="de-DE" dirty="0"/>
+          </a:p>
+        </p:txBody>
+      </p:sp>
+    </p:spTree>
+    <p:extLst>
+      <p:ext uri="{BB962C8B-B14F-4D97-AF65-F5344CB8AC3E}">
+        <p14:creationId xmlns:p14="http://schemas.microsoft.com/office/powerpoint/2010/main" val="1540587730"/>
       </p:ext>
     </p:extLst>
   </p:cSld>
